--- a/PHY477/PHY477 #4 crystallinity(2).pptx
+++ b/PHY477/PHY477 #4 crystallinity(2).pptx
@@ -6053,12 +6053,28 @@
               <a:t>Pt 4: </a:t>
             </a:r>
             <a:r>
-              <a:rPr lang="en-GB" dirty="0" err="1">
+              <a:rPr lang="en-GB" dirty="0" smtClean="0">
                 <a:solidFill>
                   <a:srgbClr val="FF0000"/>
                 </a:solidFill>
               </a:rPr>
-              <a:t>Crystallinity</a:t>
+              <a:t>Crystallinity(</a:t>
+            </a:r>
+            <a:r>
+              <a:rPr lang="zh-CN" altLang="en-US" dirty="0" smtClean="0">
+                <a:solidFill>
+                  <a:srgbClr val="FF0000"/>
+                </a:solidFill>
+              </a:rPr>
+              <a:t>结晶度</a:t>
+            </a:r>
+            <a:r>
+              <a:rPr lang="en-GB" dirty="0" smtClean="0">
+                <a:solidFill>
+                  <a:srgbClr val="FF0000"/>
+                </a:solidFill>
+              </a:rPr>
+              <a:t>) </a:t>
             </a:r>
             <a:r>
               <a:rPr lang="en-GB" dirty="0">
@@ -6066,7 +6082,11 @@
                   <a:srgbClr val="FF0000"/>
                 </a:solidFill>
               </a:rPr>
-              <a:t> in soft matter</a:t>
+              <a:t>in soft matter</a:t>
+            </a:r>
+            <a:r>
+              <a:rPr lang="en-GB" dirty="0"/>
+              <a:t/>
             </a:r>
             <a:br>
               <a:rPr lang="en-GB" dirty="0"/>
@@ -7688,7 +7708,7 @@
           <a:graphicData uri="http://schemas.openxmlformats.org/presentationml/2006/ole">
             <mc:AlternateContent xmlns:mc="http://schemas.openxmlformats.org/markup-compatibility/2006">
               <mc:Choice xmlns:v="urn:schemas-microsoft-com:vml" Requires="v">
-                <p:oleObj spid="_x0000_s1042" name="Equation" r:id="rId5" imgW="1409700" imgH="279400" progId="Equation.3">
+                <p:oleObj spid="_x0000_s1043" name="Equation" r:id="rId5" imgW="1409700" imgH="279400" progId="Equation.3">
                   <p:embed/>
                 </p:oleObj>
               </mc:Choice>
@@ -11186,6 +11206,10 @@
               </a:rPr>
               <a:t> Solid phase transition</a:t>
             </a:r>
+            <a:r>
+              <a:rPr lang="en-GB" dirty="0"/>
+              <a:t/>
+            </a:r>
             <a:br>
               <a:rPr lang="en-GB" dirty="0"/>
             </a:br>
@@ -11428,7 +11452,7 @@
           <a:graphicData uri="http://schemas.openxmlformats.org/presentationml/2006/ole">
             <mc:AlternateContent xmlns:mc="http://schemas.openxmlformats.org/markup-compatibility/2006">
               <mc:Choice xmlns:v="urn:schemas-microsoft-com:vml" Requires="v">
-                <p:oleObj spid="_x0000_s186427" name="Equation" r:id="rId4" imgW="1155700" imgH="127000" progId="Equation.3">
+                <p:oleObj spid="_x0000_s186428" name="Equation" r:id="rId4" imgW="1155700" imgH="127000" progId="Equation.3">
                   <p:embed/>
                 </p:oleObj>
               </mc:Choice>
@@ -12548,7 +12572,7 @@
           <a:graphicData uri="http://schemas.openxmlformats.org/presentationml/2006/ole">
             <mc:AlternateContent xmlns:mc="http://schemas.openxmlformats.org/markup-compatibility/2006">
               <mc:Choice xmlns:v="urn:schemas-microsoft-com:vml" Requires="v">
-                <p:oleObj spid="_x0000_s46261" name="Equation" r:id="rId5" imgW="762000" imgH="457200" progId="">
+                <p:oleObj spid="_x0000_s46263" name="Equation" r:id="rId5" imgW="762000" imgH="457200" progId="">
                   <p:embed/>
                 </p:oleObj>
               </mc:Choice>
@@ -12631,7 +12655,7 @@
           <a:graphicData uri="http://schemas.openxmlformats.org/presentationml/2006/ole">
             <mc:AlternateContent xmlns:mc="http://schemas.openxmlformats.org/markup-compatibility/2006">
               <mc:Choice xmlns:v="urn:schemas-microsoft-com:vml" Requires="v">
-                <p:oleObj spid="_x0000_s46262" name="Equation" r:id="rId7" imgW="1295400" imgH="457200" progId="">
+                <p:oleObj spid="_x0000_s46264" name="Equation" r:id="rId7" imgW="1295400" imgH="457200" progId="">
                   <p:embed/>
                 </p:oleObj>
               </mc:Choice>
@@ -15467,7 +15491,7 @@
           <a:graphicData uri="http://schemas.openxmlformats.org/presentationml/2006/ole">
             <mc:AlternateContent xmlns:mc="http://schemas.openxmlformats.org/markup-compatibility/2006">
               <mc:Choice xmlns:v="urn:schemas-microsoft-com:vml" Requires="v">
-                <p:oleObj spid="_x0000_s52313" name="Equation" r:id="rId4" imgW="4686300" imgH="571500" progId="">
+                <p:oleObj spid="_x0000_s52314" name="Equation" r:id="rId4" imgW="4686300" imgH="571500" progId="">
                   <p:embed/>
                 </p:oleObj>
               </mc:Choice>
@@ -17241,7 +17265,7 @@
           <a:graphicData uri="http://schemas.openxmlformats.org/presentationml/2006/ole">
             <mc:AlternateContent xmlns:mc="http://schemas.openxmlformats.org/markup-compatibility/2006">
               <mc:Choice xmlns:v="urn:schemas-microsoft-com:vml" Requires="v">
-                <p:oleObj spid="_x0000_s190523" name="Equation" r:id="rId5" imgW="876300" imgH="419100" progId="Equation.3">
+                <p:oleObj spid="_x0000_s190524" name="Equation" r:id="rId5" imgW="876300" imgH="419100" progId="Equation.3">
                   <p:embed/>
                 </p:oleObj>
               </mc:Choice>
